--- a/REPORTS/RF4.pptx
+++ b/REPORTS/RF4.pptx
@@ -113,6 +113,35 @@
 </p:presentation>
 </file>
 
+<file path=ppt/changesInfos/changesInfo1.xml><?xml version="1.0" encoding="utf-8"?>
+<pc:chgInfo xmlns:a="http://schemas.openxmlformats.org/drawingml/2006/main" xmlns:r="http://schemas.openxmlformats.org/officeDocument/2006/relationships" xmlns:ac="http://schemas.microsoft.com/office/drawing/2013/main/command" xmlns:pc="http://schemas.microsoft.com/office/powerpoint/2013/main/command">
+  <pc:docChgLst>
+    <pc:chgData name="willie schottler" userId="474cf4eb21bcde59" providerId="LiveId" clId="{59038849-066D-49EB-9C5E-12339B6ABAD8}"/>
+    <pc:docChg chg="modSld">
+      <pc:chgData name="willie schottler" userId="474cf4eb21bcde59" providerId="LiveId" clId="{59038849-066D-49EB-9C5E-12339B6ABAD8}" dt="2019-10-29T22:01:10.725" v="16" actId="20577"/>
+      <pc:docMkLst>
+        <pc:docMk/>
+      </pc:docMkLst>
+      <pc:sldChg chg="modSp">
+        <pc:chgData name="willie schottler" userId="474cf4eb21bcde59" providerId="LiveId" clId="{59038849-066D-49EB-9C5E-12339B6ABAD8}" dt="2019-10-29T22:01:10.725" v="16" actId="20577"/>
+        <pc:sldMkLst>
+          <pc:docMk/>
+          <pc:sldMk cId="3495786447" sldId="257"/>
+        </pc:sldMkLst>
+        <pc:spChg chg="mod">
+          <ac:chgData name="willie schottler" userId="474cf4eb21bcde59" providerId="LiveId" clId="{59038849-066D-49EB-9C5E-12339B6ABAD8}" dt="2019-10-29T22:01:10.725" v="16" actId="20577"/>
+          <ac:spMkLst>
+            <pc:docMk/>
+            <pc:sldMk cId="3495786447" sldId="257"/>
+            <ac:spMk id="3" creationId="{AE2BBEBF-B521-474E-8747-32F110E7C761}"/>
+          </ac:spMkLst>
+        </pc:spChg>
+      </pc:sldChg>
+    </pc:docChg>
+  </pc:docChgLst>
+</pc:chgInfo>
+</file>
+
 <file path=ppt/slideLayouts/slideLayout1.xml><?xml version="1.0" encoding="utf-8"?>
 <p:sldLayout xmlns:a="http://schemas.openxmlformats.org/drawingml/2006/main" xmlns:r="http://schemas.openxmlformats.org/officeDocument/2006/relationships" xmlns:p="http://schemas.openxmlformats.org/presentationml/2006/main" type="title" preserve="1">
   <p:cSld name="Title Slide">
@@ -387,7 +416,7 @@
           <a:p>
             <a:fld id="{78ABE3C1-DBE1-495D-B57B-2849774B866A}" type="datetimeFigureOut">
               <a:rPr lang="en-US" dirty="0"/>
-              <a:t>10/29/19</a:t>
+              <a:t>10/29/2019</a:t>
             </a:fld>
             <a:endParaRPr lang="en-US" dirty="0"/>
           </a:p>
@@ -796,7 +825,7 @@
           <a:p>
             <a:fld id="{446C117F-5CCF-4837-BE5F-2B92066CAFAF}" type="datetimeFigureOut">
               <a:rPr lang="en-US" dirty="0"/>
-              <a:t>10/29/19</a:t>
+              <a:t>10/29/2019</a:t>
             </a:fld>
             <a:endParaRPr lang="en-US" dirty="0"/>
           </a:p>
@@ -1127,7 +1156,7 @@
           <a:p>
             <a:fld id="{84EB90BD-B6CE-46B7-997F-7313B992CCDC}" type="datetimeFigureOut">
               <a:rPr lang="en-US" dirty="0"/>
-              <a:t>10/29/19</a:t>
+              <a:t>10/29/2019</a:t>
             </a:fld>
             <a:endParaRPr lang="en-US" dirty="0"/>
           </a:p>
@@ -1527,7 +1556,7 @@
           <a:p>
             <a:fld id="{CDB9D11F-B188-461D-B23F-39381795C052}" type="datetimeFigureOut">
               <a:rPr lang="en-US" dirty="0"/>
-              <a:t>10/29/19</a:t>
+              <a:t>10/29/2019</a:t>
             </a:fld>
             <a:endParaRPr lang="en-US" dirty="0"/>
           </a:p>
@@ -2090,7 +2119,7 @@
           <a:p>
             <a:fld id="{52E6D8D9-55A2-4063-B0F3-121F44549695}" type="datetimeFigureOut">
               <a:rPr lang="en-US" dirty="0"/>
-              <a:t>10/29/19</a:t>
+              <a:t>10/29/2019</a:t>
             </a:fld>
             <a:endParaRPr lang="en-US" dirty="0"/>
           </a:p>
@@ -2766,7 +2795,7 @@
           <a:p>
             <a:fld id="{D4B24536-994D-4021-A283-9F449C0DB509}" type="datetimeFigureOut">
               <a:rPr lang="en-US" dirty="0"/>
-              <a:t>10/29/19</a:t>
+              <a:t>10/29/2019</a:t>
             </a:fld>
             <a:endParaRPr lang="en-US" dirty="0"/>
           </a:p>
@@ -3674,7 +3703,7 @@
           <a:p>
             <a:fld id="{3CBBBB78-C96F-47B7-AB17-D852CA960AC9}" type="datetimeFigureOut">
               <a:rPr lang="en-US" dirty="0"/>
-              <a:t>10/29/19</a:t>
+              <a:t>10/29/2019</a:t>
             </a:fld>
             <a:endParaRPr lang="en-US" dirty="0"/>
           </a:p>
@@ -3982,7 +4011,7 @@
           <a:p>
             <a:fld id="{1FA3F48C-C7C6-4055-9F49-3777875E72AE}" type="datetimeFigureOut">
               <a:rPr lang="en-US" dirty="0"/>
-              <a:t>10/29/19</a:t>
+              <a:t>10/29/2019</a:t>
             </a:fld>
             <a:endParaRPr lang="en-US" dirty="0"/>
           </a:p>
@@ -4241,7 +4270,7 @@
           <a:p>
             <a:fld id="{6178E61D-D431-422C-9764-11DAFE33AB63}" type="datetimeFigureOut">
               <a:rPr lang="en-US" dirty="0"/>
-              <a:t>10/29/19</a:t>
+              <a:t>10/29/2019</a:t>
             </a:fld>
             <a:endParaRPr lang="en-US" dirty="0"/>
           </a:p>
@@ -4560,7 +4589,7 @@
           <a:p>
             <a:fld id="{12DE42F4-6EEF-4EF7-8ED4-2208F0F89A08}" type="datetimeFigureOut">
               <a:rPr lang="en-US" dirty="0"/>
-              <a:t>10/29/19</a:t>
+              <a:t>10/29/2019</a:t>
             </a:fld>
             <a:endParaRPr lang="en-US" dirty="0"/>
           </a:p>
@@ -4944,7 +4973,7 @@
           <a:p>
             <a:fld id="{30578ACC-22D6-47C1-A373-4FD133E34F3C}" type="datetimeFigureOut">
               <a:rPr lang="en-US" dirty="0"/>
-              <a:t>10/29/19</a:t>
+              <a:t>10/29/2019</a:t>
             </a:fld>
             <a:endParaRPr lang="en-US" dirty="0"/>
           </a:p>
@@ -5315,7 +5344,7 @@
           <a:p>
             <a:fld id="{4E5A6C69-6797-4E8A-BF37-F2C3751466E9}" type="datetimeFigureOut">
               <a:rPr lang="en-US" dirty="0"/>
-              <a:t>10/29/19</a:t>
+              <a:t>10/29/2019</a:t>
             </a:fld>
             <a:endParaRPr lang="en-US" dirty="0"/>
           </a:p>
@@ -5816,7 +5845,7 @@
           <a:p>
             <a:fld id="{D82014A1-A632-4878-A0D3-F52BA7563730}" type="datetimeFigureOut">
               <a:rPr lang="en-US" dirty="0"/>
-              <a:t>10/29/19</a:t>
+              <a:t>10/29/2019</a:t>
             </a:fld>
             <a:endParaRPr lang="en-US" dirty="0"/>
           </a:p>
@@ -6068,7 +6097,7 @@
           <a:p>
             <a:fld id="{CE99F462-093F-4566-844B-4C71F2739DA5}" type="datetimeFigureOut">
               <a:rPr lang="en-US" dirty="0"/>
-              <a:t>10/29/19</a:t>
+              <a:t>10/29/2019</a:t>
             </a:fld>
             <a:endParaRPr lang="en-US" dirty="0"/>
           </a:p>
@@ -6226,7 +6255,7 @@
           <a:p>
             <a:fld id="{3D24A7AC-904D-4781-85BA-7D10C17ED021}" type="datetimeFigureOut">
               <a:rPr lang="en-US" dirty="0"/>
-              <a:t>10/29/19</a:t>
+              <a:t>10/29/2019</a:t>
             </a:fld>
             <a:endParaRPr lang="en-US" dirty="0"/>
           </a:p>
@@ -6611,7 +6640,7 @@
           <a:p>
             <a:fld id="{E331444B-B92B-4E27-8C94-BB93EAF5CB18}" type="datetimeFigureOut">
               <a:rPr lang="en-US" dirty="0"/>
-              <a:t>10/29/19</a:t>
+              <a:t>10/29/2019</a:t>
             </a:fld>
             <a:endParaRPr lang="en-US" dirty="0"/>
           </a:p>
@@ -7015,7 +7044,7 @@
           <a:p>
             <a:fld id="{363EFA5E-FA76-400D-B3DC-F0BA90E6D107}" type="datetimeFigureOut">
               <a:rPr lang="en-US" dirty="0"/>
-              <a:t>10/29/19</a:t>
+              <a:t>10/29/2019</a:t>
             </a:fld>
             <a:endParaRPr lang="en-US" dirty="0"/>
           </a:p>
@@ -7254,7 +7283,7 @@
           <a:p>
             <a:fld id="{9D6E9DEC-419B-4CC5-A080-3B06BD5A8291}" type="datetimeFigureOut">
               <a:rPr lang="en-US" dirty="0"/>
-              <a:t>10/29/19</a:t>
+              <a:t>10/29/2019</a:t>
             </a:fld>
             <a:endParaRPr lang="en-US" dirty="0"/>
           </a:p>
@@ -7812,13 +7841,22 @@
           </a:p>
           <a:p>
             <a:r>
-              <a:rPr lang="en-US"/>
-              <a:t>Waiting </a:t>
-            </a:r>
-            <a:r>
               <a:rPr lang="en-US" dirty="0"/>
-              <a:t>on responses from companies for displays and software</a:t>
-            </a:r>
+              <a:t>Waiting on responses </a:t>
+            </a:r>
+            <a:r>
+              <a:rPr lang="en-US"/>
+              <a:t>from multiple companies </a:t>
+            </a:r>
+            <a:r>
+              <a:rPr lang="en-US" dirty="0"/>
+              <a:t>for displays </a:t>
+            </a:r>
+            <a:r>
+              <a:rPr lang="en-US"/>
+              <a:t>and software</a:t>
+            </a:r>
+            <a:endParaRPr lang="en-US" dirty="0"/>
           </a:p>
         </p:txBody>
       </p:sp>
